--- a/Seccion 6 Analisis Factorial/Diapositivas/6.3 Criterio varimax.pptx
+++ b/Seccion 6 Analisis Factorial/Diapositivas/6.3 Criterio varimax.pptx
@@ -119,6 +119,34 @@
 </p:presentation>
 </file>
 
+<file path=ppt/ink/ink1.xml><?xml version="1.0" encoding="utf-8"?>
+<inkml:ink xmlns:inkml="http://www.w3.org/2003/InkML">
+  <inkml:definitions>
+    <inkml:context xml:id="ctx0">
+      <inkml:inkSource xml:id="inkSrc0">
+        <inkml:traceFormat>
+          <inkml:channel name="X" type="integer" min="-2.14748E9" max="2.14748E9" units="cm"/>
+          <inkml:channel name="Y" type="integer" min="-2.14748E9" max="2.14748E9" units="cm"/>
+          <inkml:channel name="F" type="integer" max="32767" units="dev"/>
+        </inkml:traceFormat>
+        <inkml:channelProperties>
+          <inkml:channelProperty channel="X" name="resolution" value="1000" units="1/cm"/>
+          <inkml:channelProperty channel="Y" name="resolution" value="1000" units="1/cm"/>
+          <inkml:channelProperty channel="F" name="resolution" value="0" units="1/dev"/>
+        </inkml:channelProperties>
+      </inkml:inkSource>
+      <inkml:timestamp xml:id="ts0" timeString="2020-04-06T08:32:47.589"/>
+    </inkml:context>
+    <inkml:brush xml:id="br0">
+      <inkml:brushProperty name="width" value="0.1" units="cm"/>
+      <inkml:brushProperty name="height" value="0.1" units="cm"/>
+      <inkml:brushProperty name="color" value="#0070C0"/>
+    </inkml:brush>
+  </inkml:definitions>
+  <inkml:trace contextRef="#ctx0" brushRef="#br0">281 1 672,'0'36'528,"-7"3"-456,1 3-72,0-2-16,-6-4 16,-1 1 8,-6-4 0,1 4 80,-1-7 64,-6 7 32,0-6-56,-6 2-128,-6-2-80,6 0-200,-1-11-560</inkml:trace>
+</inkml:ink>
+</file>
+
 <file path=ppt/slideLayouts/slideLayout1.xml><?xml version="1.0" encoding="utf-8"?>
 <p:sldLayout xmlns:a="http://schemas.openxmlformats.org/drawingml/2006/main" xmlns:r="http://schemas.openxmlformats.org/officeDocument/2006/relationships" xmlns:p="http://schemas.openxmlformats.org/presentationml/2006/main" type="title" preserve="1">
   <p:cSld name="Diapositiva de título">
@@ -267,7 +295,7 @@
             <a:fld id="{B61BEF0D-F0BB-DE4B-95CE-6DB70DBA9567}" type="datetimeFigureOut">
               <a:rPr lang="en-US" smtClean="0"/>
               <a:pPr/>
-              <a:t>1/27/2020</a:t>
+              <a:t>4/6/2020</a:t>
             </a:fld>
             <a:endParaRPr lang="en-US" dirty="0"/>
           </a:p>
@@ -466,7 +494,7 @@
           <a:p>
             <a:fld id="{55C6B4A9-1611-4792-9094-5F34BCA07E0B}" type="datetimeFigureOut">
               <a:rPr lang="en-US" smtClean="0"/>
-              <a:t>1/27/2020</a:t>
+              <a:t>4/6/2020</a:t>
             </a:fld>
             <a:endParaRPr lang="en-US" dirty="0"/>
           </a:p>
@@ -675,7 +703,7 @@
             <a:fld id="{B61BEF0D-F0BB-DE4B-95CE-6DB70DBA9567}" type="datetimeFigureOut">
               <a:rPr lang="en-US" smtClean="0"/>
               <a:pPr/>
-              <a:t>1/27/2020</a:t>
+              <a:t>4/6/2020</a:t>
             </a:fld>
             <a:endParaRPr lang="en-US" dirty="0"/>
           </a:p>
@@ -1495,7 +1523,7 @@
             <a:fld id="{B61BEF0D-F0BB-DE4B-95CE-6DB70DBA9567}" type="datetimeFigureOut">
               <a:rPr lang="en-US" smtClean="0"/>
               <a:pPr/>
-              <a:t>1/27/2020</a:t>
+              <a:t>4/6/2020</a:t>
             </a:fld>
             <a:endParaRPr lang="en-US" dirty="0"/>
           </a:p>
@@ -1667,7 +1695,7 @@
             <a:fld id="{B61BEF0D-F0BB-DE4B-95CE-6DB70DBA9567}" type="datetimeFigureOut">
               <a:rPr lang="en-US" smtClean="0"/>
               <a:pPr/>
-              <a:t>1/27/2020</a:t>
+              <a:t>4/6/2020</a:t>
             </a:fld>
             <a:endParaRPr lang="en-US" dirty="0"/>
           </a:p>
@@ -1916,7 +1944,7 @@
             <a:fld id="{B61BEF0D-F0BB-DE4B-95CE-6DB70DBA9567}" type="datetimeFigureOut">
               <a:rPr lang="en-US" smtClean="0"/>
               <a:pPr/>
-              <a:t>1/27/2020</a:t>
+              <a:t>4/6/2020</a:t>
             </a:fld>
             <a:endParaRPr lang="en-US" dirty="0"/>
           </a:p>
@@ -2149,7 +2177,7 @@
           <a:p>
             <a:fld id="{EB712588-04B1-427B-82EE-E8DB90309F08}" type="datetimeFigureOut">
               <a:rPr lang="en-US" smtClean="0"/>
-              <a:t>1/27/2020</a:t>
+              <a:t>4/6/2020</a:t>
             </a:fld>
             <a:endParaRPr lang="en-US" dirty="0"/>
           </a:p>
@@ -2524,7 +2552,7 @@
             <a:fld id="{B61BEF0D-F0BB-DE4B-95CE-6DB70DBA9567}" type="datetimeFigureOut">
               <a:rPr lang="en-US" smtClean="0"/>
               <a:pPr/>
-              <a:t>1/27/2020</a:t>
+              <a:t>4/6/2020</a:t>
             </a:fld>
             <a:endParaRPr lang="en-US" dirty="0"/>
           </a:p>
@@ -2649,7 +2677,7 @@
             <a:fld id="{B61BEF0D-F0BB-DE4B-95CE-6DB70DBA9567}" type="datetimeFigureOut">
               <a:rPr lang="en-US" smtClean="0"/>
               <a:pPr/>
-              <a:t>1/27/2020</a:t>
+              <a:t>4/6/2020</a:t>
             </a:fld>
             <a:endParaRPr lang="en-US" dirty="0"/>
           </a:p>
@@ -2746,7 +2774,7 @@
             <a:fld id="{B61BEF0D-F0BB-DE4B-95CE-6DB70DBA9567}" type="datetimeFigureOut">
               <a:rPr lang="en-US" smtClean="0"/>
               <a:pPr/>
-              <a:t>1/27/2020</a:t>
+              <a:t>4/6/2020</a:t>
             </a:fld>
             <a:endParaRPr lang="en-US" dirty="0"/>
           </a:p>
@@ -3002,7 +3030,7 @@
           <a:p>
             <a:fld id="{42A54C80-263E-416B-A8E0-580EDEADCBDC}" type="datetimeFigureOut">
               <a:rPr lang="en-US" smtClean="0"/>
-              <a:t>1/27/2020</a:t>
+              <a:t>4/6/2020</a:t>
             </a:fld>
             <a:endParaRPr lang="en-US" dirty="0"/>
           </a:p>
@@ -3189,7 +3217,7 @@
             <a:fld id="{B61BEF0D-F0BB-DE4B-95CE-6DB70DBA9567}" type="datetimeFigureOut">
               <a:rPr lang="en-US" smtClean="0"/>
               <a:pPr/>
-              <a:t>1/27/2020</a:t>
+              <a:t>4/6/2020</a:t>
             </a:fld>
             <a:endParaRPr lang="en-US" dirty="0"/>
           </a:p>
@@ -3509,7 +3537,7 @@
             <a:fld id="{B61BEF0D-F0BB-DE4B-95CE-6DB70DBA9567}" type="datetimeFigureOut">
               <a:rPr lang="en-US" smtClean="0"/>
               <a:pPr/>
-              <a:t>1/27/2020</a:t>
+              <a:t>4/6/2020</a:t>
             </a:fld>
             <a:endParaRPr lang="en-US" dirty="0"/>
           </a:p>
@@ -3719,7 +3747,7 @@
             <a:fld id="{B61BEF0D-F0BB-DE4B-95CE-6DB70DBA9567}" type="datetimeFigureOut">
               <a:rPr lang="en-US" smtClean="0"/>
               <a:pPr/>
-              <a:t>1/27/2020</a:t>
+              <a:t>4/6/2020</a:t>
             </a:fld>
             <a:endParaRPr lang="en-US" dirty="0"/>
           </a:p>
@@ -4035,7 +4063,7 @@
             <a:fld id="{B61BEF0D-F0BB-DE4B-95CE-6DB70DBA9567}" type="datetimeFigureOut">
               <a:rPr lang="en-US" smtClean="0"/>
               <a:pPr/>
-              <a:t>1/27/2020</a:t>
+              <a:t>4/6/2020</a:t>
             </a:fld>
             <a:endParaRPr lang="en-US" dirty="0"/>
           </a:p>
@@ -4370,7 +4398,7 @@
             <a:fld id="{B61BEF0D-F0BB-DE4B-95CE-6DB70DBA9567}" type="datetimeFigureOut">
               <a:rPr lang="en-US" smtClean="0"/>
               <a:pPr/>
-              <a:t>1/27/2020</a:t>
+              <a:t>4/6/2020</a:t>
             </a:fld>
             <a:endParaRPr lang="en-US" dirty="0"/>
           </a:p>
@@ -4686,7 +4714,7 @@
             <a:fld id="{B61BEF0D-F0BB-DE4B-95CE-6DB70DBA9567}" type="datetimeFigureOut">
               <a:rPr lang="en-US" smtClean="0"/>
               <a:pPr/>
-              <a:t>1/27/2020</a:t>
+              <a:t>4/6/2020</a:t>
             </a:fld>
             <a:endParaRPr lang="en-US" dirty="0"/>
           </a:p>
@@ -5081,7 +5109,7 @@
             <a:fld id="{B61BEF0D-F0BB-DE4B-95CE-6DB70DBA9567}" type="datetimeFigureOut">
               <a:rPr lang="en-US" smtClean="0"/>
               <a:pPr/>
-              <a:t>1/27/2020</a:t>
+              <a:t>4/6/2020</a:t>
             </a:fld>
             <a:endParaRPr lang="en-US" dirty="0"/>
           </a:p>
@@ -5252,7 +5280,7 @@
           <a:p>
             <a:fld id="{55C6B4A9-1611-4792-9094-5F34BCA07E0B}" type="datetimeFigureOut">
               <a:rPr lang="en-US" smtClean="0"/>
-              <a:t>1/27/2020</a:t>
+              <a:t>4/6/2020</a:t>
             </a:fld>
             <a:endParaRPr lang="en-US" dirty="0"/>
           </a:p>
@@ -5433,7 +5461,7 @@
             <a:fld id="{B61BEF0D-F0BB-DE4B-95CE-6DB70DBA9567}" type="datetimeFigureOut">
               <a:rPr lang="en-US" smtClean="0"/>
               <a:pPr/>
-              <a:t>1/27/2020</a:t>
+              <a:t>4/6/2020</a:t>
             </a:fld>
             <a:endParaRPr lang="en-US" dirty="0"/>
           </a:p>
@@ -5698,7 +5726,7 @@
             <a:fld id="{B61BEF0D-F0BB-DE4B-95CE-6DB70DBA9567}" type="datetimeFigureOut">
               <a:rPr lang="en-US" smtClean="0"/>
               <a:pPr/>
-              <a:t>1/27/2020</a:t>
+              <a:t>4/6/2020</a:t>
             </a:fld>
             <a:endParaRPr lang="en-US" dirty="0"/>
           </a:p>
@@ -5964,7 +5992,7 @@
           <a:p>
             <a:fld id="{EB712588-04B1-427B-82EE-E8DB90309F08}" type="datetimeFigureOut">
               <a:rPr lang="en-US" smtClean="0"/>
-              <a:t>1/27/2020</a:t>
+              <a:t>4/6/2020</a:t>
             </a:fld>
             <a:endParaRPr lang="en-US" dirty="0"/>
           </a:p>
@@ -6377,7 +6405,7 @@
             <a:fld id="{B61BEF0D-F0BB-DE4B-95CE-6DB70DBA9567}" type="datetimeFigureOut">
               <a:rPr lang="en-US" smtClean="0"/>
               <a:pPr/>
-              <a:t>1/27/2020</a:t>
+              <a:t>4/6/2020</a:t>
             </a:fld>
             <a:endParaRPr lang="en-US" dirty="0"/>
           </a:p>
@@ -6520,7 +6548,7 @@
             <a:fld id="{B61BEF0D-F0BB-DE4B-95CE-6DB70DBA9567}" type="datetimeFigureOut">
               <a:rPr lang="en-US" smtClean="0"/>
               <a:pPr/>
-              <a:t>1/27/2020</a:t>
+              <a:t>4/6/2020</a:t>
             </a:fld>
             <a:endParaRPr lang="en-US" dirty="0"/>
           </a:p>
@@ -6635,7 +6663,7 @@
             <a:fld id="{B61BEF0D-F0BB-DE4B-95CE-6DB70DBA9567}" type="datetimeFigureOut">
               <a:rPr lang="en-US" smtClean="0"/>
               <a:pPr/>
-              <a:t>1/27/2020</a:t>
+              <a:t>4/6/2020</a:t>
             </a:fld>
             <a:endParaRPr lang="en-US" dirty="0"/>
           </a:p>
@@ -6947,7 +6975,7 @@
           <a:p>
             <a:fld id="{42A54C80-263E-416B-A8E0-580EDEADCBDC}" type="datetimeFigureOut">
               <a:rPr lang="en-US" smtClean="0"/>
-              <a:t>1/27/2020</a:t>
+              <a:t>4/6/2020</a:t>
             </a:fld>
             <a:endParaRPr lang="en-US" dirty="0"/>
           </a:p>
@@ -7236,7 +7264,7 @@
             <a:fld id="{B61BEF0D-F0BB-DE4B-95CE-6DB70DBA9567}" type="datetimeFigureOut">
               <a:rPr lang="en-US" smtClean="0"/>
               <a:pPr/>
-              <a:t>1/27/2020</a:t>
+              <a:t>4/6/2020</a:t>
             </a:fld>
             <a:endParaRPr lang="en-US" dirty="0"/>
           </a:p>
@@ -7479,7 +7507,7 @@
             <a:fld id="{B61BEF0D-F0BB-DE4B-95CE-6DB70DBA9567}" type="datetimeFigureOut">
               <a:rPr lang="en-US" smtClean="0"/>
               <a:pPr/>
-              <a:t>1/27/2020</a:t>
+              <a:t>4/6/2020</a:t>
             </a:fld>
             <a:endParaRPr lang="en-US" dirty="0"/>
           </a:p>
@@ -8564,7 +8592,7 @@
             <a:fld id="{B61BEF0D-F0BB-DE4B-95CE-6DB70DBA9567}" type="datetimeFigureOut">
               <a:rPr lang="en-US" smtClean="0"/>
               <a:pPr/>
-              <a:t>1/27/2020</a:t>
+              <a:t>4/6/2020</a:t>
             </a:fld>
             <a:endParaRPr lang="en-US" dirty="0"/>
           </a:p>
@@ -9432,6 +9460,57 @@
           </a:custGeom>
         </p:spPr>
       </p:pic>
+      <mc:AlternateContent xmlns:mc="http://schemas.openxmlformats.org/markup-compatibility/2006">
+        <mc:Choice xmlns:p14="http://schemas.microsoft.com/office/powerpoint/2010/main" Requires="p14">
+          <p:contentPart p14:bwMode="auto" r:id="rId3">
+            <p14:nvContentPartPr>
+              <p14:cNvPr id="3" name="Entrada de lápiz 2">
+                <a:extLst>
+                  <a:ext uri="{FF2B5EF4-FFF2-40B4-BE49-F238E27FC236}">
+                    <a16:creationId xmlns:a16="http://schemas.microsoft.com/office/drawing/2014/main" id="{6F718EC4-9A21-4E9B-A236-E139A730492C}"/>
+                  </a:ext>
+                </a:extLst>
+              </p14:cNvPr>
+              <p14:cNvContentPartPr/>
+              <p14:nvPr/>
+            </p14:nvContentPartPr>
+            <p14:xfrm>
+              <a:off x="11007489" y="6845788"/>
+              <a:ext cx="101160" cy="185040"/>
+            </p14:xfrm>
+          </p:contentPart>
+        </mc:Choice>
+        <mc:Fallback>
+          <p:pic>
+            <p:nvPicPr>
+              <p:cNvPr id="3" name="Entrada de lápiz 2">
+                <a:extLst>
+                  <a:ext uri="{FF2B5EF4-FFF2-40B4-BE49-F238E27FC236}">
+                    <a16:creationId xmlns:a16="http://schemas.microsoft.com/office/drawing/2014/main" id="{6F718EC4-9A21-4E9B-A236-E139A730492C}"/>
+                  </a:ext>
+                </a:extLst>
+              </p:cNvPr>
+              <p:cNvPicPr/>
+              <p:nvPr/>
+            </p:nvPicPr>
+            <p:blipFill>
+              <a:blip r:embed="rId4"/>
+              <a:stretch>
+                <a:fillRect/>
+              </a:stretch>
+            </p:blipFill>
+            <p:spPr>
+              <a:xfrm>
+                <a:off x="10989489" y="6828148"/>
+                <a:ext cx="136800" cy="220680"/>
+              </a:xfrm>
+              <a:prstGeom prst="rect">
+                <a:avLst/>
+              </a:prstGeom>
+            </p:spPr>
+          </p:pic>
+        </mc:Fallback>
+      </mc:AlternateContent>
     </p:spTree>
     <p:extLst>
       <p:ext uri="{BB962C8B-B14F-4D97-AF65-F5344CB8AC3E}">
@@ -9984,8 +10063,8 @@
           </a:p>
         </p:txBody>
       </p:sp>
-      <mc:AlternateContent xmlns:mc="http://schemas.openxmlformats.org/markup-compatibility/2006">
-        <mc:Choice xmlns:a14="http://schemas.microsoft.com/office/drawing/2010/main" Requires="a14">
+      <mc:AlternateContent xmlns:mc="http://schemas.openxmlformats.org/markup-compatibility/2006" xmlns:a14="http://schemas.microsoft.com/office/drawing/2010/main">
+        <mc:Choice Requires="a14">
           <p:sp>
             <p:nvSpPr>
               <p:cNvPr id="3" name="Marcador de contenido 2">
@@ -10346,7 +10425,7 @@
             </p:txBody>
           </p:sp>
         </mc:Choice>
-        <mc:Fallback>
+        <mc:Fallback xmlns="">
           <p:sp>
             <p:nvSpPr>
               <p:cNvPr id="3" name="Marcador de contenido 2">
@@ -10459,8 +10538,8 @@
           </a:p>
         </p:txBody>
       </p:sp>
-      <mc:AlternateContent xmlns:mc="http://schemas.openxmlformats.org/markup-compatibility/2006">
-        <mc:Choice xmlns:a14="http://schemas.microsoft.com/office/drawing/2010/main" Requires="a14">
+      <mc:AlternateContent xmlns:mc="http://schemas.openxmlformats.org/markup-compatibility/2006" xmlns:a14="http://schemas.microsoft.com/office/drawing/2010/main">
+        <mc:Choice Requires="a14">
           <p:sp>
             <p:nvSpPr>
               <p:cNvPr id="3" name="Marcador de contenido 2">
@@ -10504,7 +10583,7 @@
                     <m:sSub>
                       <m:sSubPr>
                         <m:ctrlPr>
-                          <a:rPr lang="es-ES" sz="2000" b="0" i="0" dirty="0" smtClean="0">
+                          <a:rPr lang="es-ES" sz="2000" b="0" i="1" dirty="0" smtClean="0">
                             <a:solidFill>
                               <a:schemeClr val="bg1"/>
                             </a:solidFill>
@@ -11987,7 +12066,7 @@
             </p:txBody>
           </p:sp>
         </mc:Choice>
-        <mc:Fallback>
+        <mc:Fallback xmlns="">
           <p:sp>
             <p:nvSpPr>
               <p:cNvPr id="3" name="Marcador de contenido 2">
@@ -12100,8 +12179,8 @@
           </a:p>
         </p:txBody>
       </p:sp>
-      <mc:AlternateContent xmlns:mc="http://schemas.openxmlformats.org/markup-compatibility/2006">
-        <mc:Choice xmlns:a14="http://schemas.microsoft.com/office/drawing/2010/main" Requires="a14">
+      <mc:AlternateContent xmlns:mc="http://schemas.openxmlformats.org/markup-compatibility/2006" xmlns:a14="http://schemas.microsoft.com/office/drawing/2010/main">
+        <mc:Choice Requires="a14">
           <p:sp>
             <p:nvSpPr>
               <p:cNvPr id="3" name="Marcador de contenido 2">
@@ -12335,11 +12414,11 @@
                     <m:sSub>
                       <m:sSubPr>
                         <m:ctrlPr>
-                          <a:rPr lang="es-ES">
+                          <a:rPr lang="es-ES" i="1">
                             <a:solidFill>
                               <a:schemeClr val="bg1"/>
                             </a:solidFill>
-                            <a:latin typeface="Calibri" panose="020F0502020204030204" pitchFamily="34" charset="0"/>
+                            <a:latin typeface="Cambria Math" panose="02040503050406030204" pitchFamily="18" charset="0"/>
                             <a:cs typeface="Calibri" panose="020F0502020204030204" pitchFamily="34" charset="0"/>
                           </a:rPr>
                         </m:ctrlPr>
@@ -12350,7 +12429,7 @@
                             <a:solidFill>
                               <a:schemeClr val="bg1"/>
                             </a:solidFill>
-                            <a:latin typeface="Calibri" panose="020F0502020204030204" pitchFamily="34" charset="0"/>
+                            <a:latin typeface="Cambria Math" panose="02040503050406030204" pitchFamily="18" charset="0"/>
                             <a:cs typeface="Calibri" panose="020F0502020204030204" pitchFamily="34" charset="0"/>
                           </a:rPr>
                           <m:t>𝛿</m:t>
@@ -12362,7 +12441,7 @@
                             <a:solidFill>
                               <a:schemeClr val="bg1"/>
                             </a:solidFill>
-                            <a:latin typeface="Calibri" panose="020F0502020204030204" pitchFamily="34" charset="0"/>
+                            <a:latin typeface="Cambria Math" panose="02040503050406030204" pitchFamily="18" charset="0"/>
                             <a:cs typeface="Calibri" panose="020F0502020204030204" pitchFamily="34" charset="0"/>
                           </a:rPr>
                           <m:t>𝑖𝑗</m:t>
@@ -12904,7 +12983,7 @@
                     <m:sSubSup>
                       <m:sSubSupPr>
                         <m:ctrlPr>
-                          <a:rPr lang="es-ES" b="0" i="0" smtClean="0">
+                          <a:rPr lang="es-ES" b="0" i="1" smtClean="0">
                             <a:solidFill>
                               <a:schemeClr val="bg1"/>
                             </a:solidFill>
@@ -13200,7 +13279,7 @@
             </p:txBody>
           </p:sp>
         </mc:Choice>
-        <mc:Fallback>
+        <mc:Fallback xmlns="">
           <p:sp>
             <p:nvSpPr>
               <p:cNvPr id="3" name="Marcador de contenido 2">
@@ -13313,8 +13392,8 @@
           </a:p>
         </p:txBody>
       </p:sp>
-      <mc:AlternateContent xmlns:mc="http://schemas.openxmlformats.org/markup-compatibility/2006">
-        <mc:Choice xmlns:a14="http://schemas.microsoft.com/office/drawing/2010/main" Requires="a14">
+      <mc:AlternateContent xmlns:mc="http://schemas.openxmlformats.org/markup-compatibility/2006" xmlns:a14="http://schemas.microsoft.com/office/drawing/2010/main">
+        <mc:Choice Requires="a14">
           <p:sp>
             <p:nvSpPr>
               <p:cNvPr id="3" name="Marcador de contenido 2">
@@ -13385,7 +13464,7 @@
                     <m:sSup>
                       <m:sSupPr>
                         <m:ctrlPr>
-                          <a:rPr lang="es-ES" b="0" i="0" smtClean="0">
+                          <a:rPr lang="es-ES" b="0" i="1" smtClean="0">
                             <a:solidFill>
                               <a:schemeClr val="bg1"/>
                             </a:solidFill>
@@ -13925,7 +14004,7 @@
             </p:txBody>
           </p:sp>
         </mc:Choice>
-        <mc:Fallback>
+        <mc:Fallback xmlns="">
           <p:sp>
             <p:nvSpPr>
               <p:cNvPr id="3" name="Marcador de contenido 2">
